--- a/main.pptx
+++ b/main.pptx
@@ -6455,7 +6455,7 @@
         </p:nvSpPr>
         <p:spPr>
           <a:xfrm>
-            <a:off x="5972459" y="1476410"/>
+            <a:off x="6645922" y="2814645"/>
             <a:ext cx="368340" cy="493549"/>
           </a:xfrm>
           <a:prstGeom prst="roundRect">

--- a/main.pptx
+++ b/main.pptx
@@ -6455,7 +6455,7 @@
         </p:nvSpPr>
         <p:spPr>
           <a:xfrm>
-            <a:off x="6645922" y="2814645"/>
+            <a:off x="6101110" y="1651450"/>
             <a:ext cx="368340" cy="493549"/>
           </a:xfrm>
           <a:prstGeom prst="roundRect">
